--- a/Redis-and-Spring-Data-Redis-An-Introduction.pptx
+++ b/Redis-and-Spring-Data-Redis-An-Introduction.pptx
@@ -15,9 +15,6 @@
     <p:sldId id="260" r:id="rId12"/>
     <p:sldId id="261" r:id="rId13"/>
     <p:sldId id="262" r:id="rId14"/>
-    <p:sldId id="263" r:id="rId15"/>
-    <p:sldId id="264" r:id="rId16"/>
-    <p:sldId id="265" r:id="rId17"/>
   </p:sldIdLst>
   <p:sldSz cx="14630400" cy="8229600"/>
   <p:notesSz cx="6858000" cy="9144000"/>
@@ -555,8 +552,8 @@
         </p:nvSpPr>
         <p:spPr>
           <a:xfrm>
-            <a:off x="731520" y="110489"/>
-            <a:ext cx="13167361" cy="1809751"/>
+            <a:off x="731519" y="110489"/>
+            <a:ext cx="13167362" cy="1809751"/>
           </a:xfrm>
           <a:prstGeom prst="rect">
             <a:avLst/>
@@ -591,8 +588,8 @@
         </p:nvSpPr>
         <p:spPr>
           <a:xfrm>
-            <a:off x="731520" y="1920239"/>
-            <a:ext cx="13167361" cy="6309362"/>
+            <a:off x="731519" y="1920239"/>
+            <a:ext cx="13167362" cy="6309362"/>
           </a:xfrm>
           <a:prstGeom prst="rect">
             <a:avLst/>
@@ -651,8 +648,8 @@
         </p:nvSpPr>
         <p:spPr>
           <a:xfrm>
-            <a:off x="7071359" y="7408545"/>
-            <a:ext cx="3413761" cy="438150"/>
+            <a:off x="7071359" y="7408544"/>
+            <a:ext cx="3413761" cy="438151"/>
           </a:xfrm>
           <a:prstGeom prst="rect">
             <a:avLst/>
@@ -1721,221 +1718,6 @@
 </p:sld>
 </file>
 
-<file path=ppt/slides/slide10.xml><?xml version="1.0" encoding="utf-8"?>
-<p:sld xmlns:a="http://schemas.openxmlformats.org/drawingml/2006/main" xmlns:r="http://schemas.openxmlformats.org/officeDocument/2006/relationships" xmlns:p="http://schemas.openxmlformats.org/presentationml/2006/main" xmlns:m="http://schemas.openxmlformats.org/officeDocument/2006/math" xmlns:a14="http://schemas.microsoft.com/office/drawing/2010/main" showMasterSp="1" showMasterPhAnim="1">
-  <p:cSld>
-    <p:spTree>
-      <p:nvGrpSpPr>
-        <p:cNvPr id="1" name=""/>
-        <p:cNvGrpSpPr/>
-        <p:nvPr/>
-      </p:nvGrpSpPr>
-      <p:grpSpPr>
-        <a:xfrm>
-          <a:off x="0" y="0"/>
-          <a:ext cx="0" cy="0"/>
-          <a:chOff x="0" y="0"/>
-          <a:chExt cx="0" cy="0"/>
-        </a:xfrm>
-      </p:grpSpPr>
-      <p:sp>
-        <p:nvSpPr>
-          <p:cNvPr id="133" name="Shape 0"/>
-          <p:cNvSpPr/>
-          <p:nvPr/>
-        </p:nvSpPr>
-        <p:spPr>
-          <a:xfrm>
-            <a:off x="0" y="0"/>
-            <a:ext cx="14630400" cy="8229600"/>
-          </a:xfrm>
-          <a:prstGeom prst="rect">
-            <a:avLst/>
-          </a:prstGeom>
-          <a:solidFill>
-            <a:srgbClr val="F8ECE4"/>
-          </a:solidFill>
-          <a:ln w="12700">
-            <a:miter lim="400000"/>
-          </a:ln>
-        </p:spPr>
-        <p:txBody>
-          <a:bodyPr lIns="45719" rIns="45719"/>
-          <a:lstStyle/>
-          <a:p>
-            <a:pPr/>
-          </a:p>
-        </p:txBody>
-      </p:sp>
-      <p:sp>
-        <p:nvSpPr>
-          <p:cNvPr id="134" name="Shape 1"/>
-          <p:cNvSpPr/>
-          <p:nvPr/>
-        </p:nvSpPr>
-        <p:spPr>
-          <a:xfrm>
-            <a:off x="0" y="0"/>
-            <a:ext cx="14630400" cy="8229600"/>
-          </a:xfrm>
-          <a:prstGeom prst="rect">
-            <a:avLst/>
-          </a:prstGeom>
-          <a:solidFill>
-            <a:srgbClr val="F8ECE4"/>
-          </a:solidFill>
-          <a:ln w="12700">
-            <a:miter lim="400000"/>
-          </a:ln>
-        </p:spPr>
-        <p:txBody>
-          <a:bodyPr lIns="45719" rIns="45719"/>
-          <a:lstStyle/>
-          <a:p>
-            <a:pPr/>
-          </a:p>
-        </p:txBody>
-      </p:sp>
-      <p:pic>
-        <p:nvPicPr>
-          <p:cNvPr id="135" name="Image 0" descr="Image 0"/>
-          <p:cNvPicPr>
-            <a:picLocks noChangeAspect="1"/>
-          </p:cNvPicPr>
-          <p:nvPr/>
-        </p:nvPicPr>
-        <p:blipFill>
-          <a:blip r:embed="rId2">
-            <a:extLst/>
-          </a:blip>
-          <a:stretch>
-            <a:fillRect/>
-          </a:stretch>
-        </p:blipFill>
-        <p:spPr>
-          <a:xfrm>
-            <a:off x="9144000" y="0"/>
-            <a:ext cx="5486400" cy="8229600"/>
-          </a:xfrm>
-          <a:prstGeom prst="rect">
-            <a:avLst/>
-          </a:prstGeom>
-          <a:ln w="12700">
-            <a:miter lim="400000"/>
-          </a:ln>
-        </p:spPr>
-      </p:pic>
-      <p:sp>
-        <p:nvSpPr>
-          <p:cNvPr id="136" name="Text 2"/>
-          <p:cNvSpPr txBox="1"/>
-          <p:nvPr/>
-        </p:nvSpPr>
-        <p:spPr>
-          <a:xfrm>
-            <a:off x="839510" y="2328623"/>
-            <a:ext cx="7464981" cy="1477255"/>
-          </a:xfrm>
-          <a:prstGeom prst="rect">
-            <a:avLst/>
-          </a:prstGeom>
-          <a:ln w="12700">
-            <a:miter lim="400000"/>
-          </a:ln>
-          <a:extLst>
-            <a:ext uri="{C572A759-6A51-4108-AA02-DFA0A04FC94B}">
-              <ma14:wrappingTextBoxFlag xmlns:ma14="http://schemas.microsoft.com/office/mac/drawingml/2011/main" val="1"/>
-            </a:ext>
-          </a:extLst>
-        </p:spPr>
-        <p:txBody>
-          <a:bodyPr lIns="45719" rIns="45719">
-            <a:spAutoFit/>
-          </a:bodyPr>
-          <a:lstStyle>
-            <a:lvl1pPr>
-              <a:lnSpc>
-                <a:spcPts val="5500"/>
-              </a:lnSpc>
-              <a:defRPr b="1" sz="4400">
-                <a:solidFill>
-                  <a:srgbClr val="151617"/>
-                </a:solidFill>
-                <a:latin typeface="Montserrat"/>
-                <a:ea typeface="Montserrat"/>
-                <a:cs typeface="Montserrat"/>
-                <a:sym typeface="Montserrat"/>
-              </a:defRPr>
-            </a:lvl1pPr>
-          </a:lstStyle>
-          <a:p>
-            <a:pPr/>
-            <a:r>
-              <a:t>Redis and Spring Data Redis: Why They Matter</a:t>
-            </a:r>
-          </a:p>
-        </p:txBody>
-      </p:sp>
-      <p:sp>
-        <p:nvSpPr>
-          <p:cNvPr id="137" name="Text 3"/>
-          <p:cNvSpPr txBox="1"/>
-          <p:nvPr/>
-        </p:nvSpPr>
-        <p:spPr>
-          <a:xfrm>
-            <a:off x="839510" y="4086343"/>
-            <a:ext cx="7464981" cy="1492374"/>
-          </a:xfrm>
-          <a:prstGeom prst="rect">
-            <a:avLst/>
-          </a:prstGeom>
-          <a:ln w="12700">
-            <a:miter lim="400000"/>
-          </a:ln>
-          <a:extLst>
-            <a:ext uri="{C572A759-6A51-4108-AA02-DFA0A04FC94B}">
-              <ma14:wrappingTextBoxFlag xmlns:ma14="http://schemas.microsoft.com/office/mac/drawingml/2011/main" val="1"/>
-            </a:ext>
-          </a:extLst>
-        </p:spPr>
-        <p:txBody>
-          <a:bodyPr lIns="45719" rIns="45719">
-            <a:spAutoFit/>
-          </a:bodyPr>
-          <a:lstStyle>
-            <a:lvl1pPr>
-              <a:lnSpc>
-                <a:spcPts val="2800"/>
-              </a:lnSpc>
-              <a:defRPr b="1" sz="1700">
-                <a:solidFill>
-                  <a:srgbClr val="151617"/>
-                </a:solidFill>
-                <a:latin typeface="Inconsolata"/>
-                <a:ea typeface="Inconsolata"/>
-                <a:cs typeface="Inconsolata"/>
-                <a:sym typeface="Inconsolata"/>
-              </a:defRPr>
-            </a:lvl1pPr>
-          </a:lstStyle>
-          <a:p>
-            <a:pPr/>
-            <a:r>
-              <a:t>Redis and Spring Data Redis offer a powerful combination for building high-performance and scalable applications. By leveraging the power of Redis, you can achieve improved performance, increased scalability, and enhanced flexibility in your applications.</a:t>
-            </a:r>
-          </a:p>
-        </p:txBody>
-      </p:sp>
-    </p:spTree>
-  </p:cSld>
-  <p:clrMapOvr>
-    <a:masterClrMapping/>
-  </p:clrMapOvr>
-  <p:transition xmlns:p14="http://schemas.microsoft.com/office/powerpoint/2010/main" spd="med" advClick="1"/>
-</p:sld>
-</file>
-
 <file path=ppt/slides/slide2.xml><?xml version="1.0" encoding="utf-8"?>
 <p:sld xmlns:a="http://schemas.openxmlformats.org/drawingml/2006/main" xmlns:r="http://schemas.openxmlformats.org/officeDocument/2006/relationships" xmlns:p="http://schemas.openxmlformats.org/presentationml/2006/main" xmlns:m="http://schemas.openxmlformats.org/officeDocument/2006/math" xmlns:a14="http://schemas.microsoft.com/office/drawing/2010/main" showMasterSp="1" showMasterPhAnim="1">
   <p:cSld>
@@ -2132,8 +1914,8 @@
         </p:nvSpPr>
         <p:spPr>
           <a:xfrm>
-            <a:off x="6560344" y="2703790"/>
-            <a:ext cx="2201005" cy="430017"/>
+            <a:off x="6560343" y="2703790"/>
+            <a:ext cx="2201006" cy="430017"/>
           </a:xfrm>
           <a:prstGeom prst="rect">
             <a:avLst/>
@@ -2183,7 +1965,7 @@
         </p:nvSpPr>
         <p:spPr>
           <a:xfrm>
-            <a:off x="6560344" y="3194208"/>
+            <a:off x="6560343" y="3194208"/>
             <a:ext cx="3104556" cy="2203574"/>
           </a:xfrm>
           <a:prstGeom prst="rect">
@@ -2267,7 +2049,7 @@
         </p:nvSpPr>
         <p:spPr>
           <a:xfrm>
-            <a:off x="10452021" y="2703790"/>
+            <a:off x="10452020" y="2703790"/>
             <a:ext cx="2634703" cy="430017"/>
           </a:xfrm>
           <a:prstGeom prst="rect">
@@ -2318,8 +2100,8 @@
         </p:nvSpPr>
         <p:spPr>
           <a:xfrm>
-            <a:off x="10452021" y="3194208"/>
-            <a:ext cx="3104556" cy="1492374"/>
+            <a:off x="10452020" y="3194208"/>
+            <a:ext cx="3104557" cy="1492374"/>
           </a:xfrm>
           <a:prstGeom prst="rect">
             <a:avLst/>
@@ -2402,7 +2184,7 @@
         </p:nvSpPr>
         <p:spPr>
           <a:xfrm>
-            <a:off x="6560344" y="6067306"/>
+            <a:off x="6560343" y="6067306"/>
             <a:ext cx="1672901" cy="430017"/>
           </a:xfrm>
           <a:prstGeom prst="rect">
@@ -2453,7 +2235,7 @@
         </p:nvSpPr>
         <p:spPr>
           <a:xfrm>
-            <a:off x="6560344" y="6557723"/>
+            <a:off x="6560343" y="6557723"/>
             <a:ext cx="6996113" cy="781174"/>
           </a:xfrm>
           <a:prstGeom prst="rect">
@@ -2887,8 +2669,8 @@
         </p:nvSpPr>
         <p:spPr>
           <a:xfrm>
-            <a:off x="10283126" y="2841783"/>
-            <a:ext cx="287783" cy="431541"/>
+            <a:off x="10283127" y="2841783"/>
+            <a:ext cx="287782" cy="431541"/>
           </a:xfrm>
           <a:prstGeom prst="rect">
             <a:avLst/>
@@ -2990,7 +2772,7 @@
         <p:spPr>
           <a:xfrm>
             <a:off x="10954702" y="3247191"/>
-            <a:ext cx="2836309" cy="1136774"/>
+            <a:ext cx="2836308" cy="1136774"/>
           </a:xfrm>
           <a:prstGeom prst="rect">
             <a:avLst/>
@@ -3362,7 +3144,7 @@
         <p:spPr>
           <a:xfrm>
             <a:off x="10954702" y="5671184"/>
-            <a:ext cx="2836309" cy="1492374"/>
+            <a:ext cx="2836308" cy="1492374"/>
           </a:xfrm>
           <a:prstGeom prst="rect">
             <a:avLst/>
@@ -3496,8 +3278,8 @@
         </p:nvSpPr>
         <p:spPr>
           <a:xfrm>
-            <a:off x="839510" y="2177057"/>
-            <a:ext cx="7319154" cy="778755"/>
+            <a:off x="839510" y="2177058"/>
+            <a:ext cx="7319154" cy="778754"/>
           </a:xfrm>
           <a:prstGeom prst="rect">
             <a:avLst/>
@@ -3599,7 +3381,7 @@
         <p:spPr>
           <a:xfrm>
             <a:off x="839509" y="4033956"/>
-            <a:ext cx="3886678" cy="1847974"/>
+            <a:ext cx="3886677" cy="1847974"/>
           </a:xfrm>
           <a:prstGeom prst="rect">
             <a:avLst/>
@@ -3643,14 +3425,14 @@
       </p:sp>
       <p:sp>
         <p:nvSpPr>
-          <p:cNvPr id="69" name="Text 5"/>
+          <p:cNvPr id="69" name="Text 7"/>
           <p:cNvSpPr txBox="1"/>
           <p:nvPr/>
         </p:nvSpPr>
         <p:spPr>
           <a:xfrm>
-            <a:off x="5378647" y="3452812"/>
-            <a:ext cx="1237158" cy="430018"/>
+            <a:off x="5496891" y="3356105"/>
+            <a:ext cx="1951892" cy="430018"/>
           </a:xfrm>
           <a:prstGeom prst="rect">
             <a:avLst/>
@@ -3687,122 +3469,20 @@
           <a:p>
             <a:pPr/>
             <a:r>
-              <a:t>Pub/Sub</a:t>
+              <a:t>Leaderboards</a:t>
             </a:r>
           </a:p>
         </p:txBody>
       </p:sp>
       <p:sp>
         <p:nvSpPr>
-          <p:cNvPr id="70" name="Text 6"/>
+          <p:cNvPr id="70" name="Text 8"/>
           <p:cNvSpPr txBox="1"/>
           <p:nvPr/>
         </p:nvSpPr>
         <p:spPr>
           <a:xfrm>
-            <a:off x="5378647" y="4033956"/>
-            <a:ext cx="3886678" cy="1847974"/>
-          </a:xfrm>
-          <a:prstGeom prst="rect">
-            <a:avLst/>
-          </a:prstGeom>
-          <a:ln w="12700">
-            <a:miter lim="400000"/>
-          </a:ln>
-          <a:extLst>
-            <a:ext uri="{C572A759-6A51-4108-AA02-DFA0A04FC94B}">
-              <ma14:wrappingTextBoxFlag xmlns:ma14="http://schemas.microsoft.com/office/mac/drawingml/2011/main" val="1"/>
-            </a:ext>
-          </a:extLst>
-        </p:spPr>
-        <p:txBody>
-          <a:bodyPr lIns="45719" rIns="45719">
-            <a:spAutoFit/>
-          </a:bodyPr>
-          <a:lstStyle>
-            <a:lvl1pPr>
-              <a:lnSpc>
-                <a:spcPts val="2800"/>
-              </a:lnSpc>
-              <a:defRPr b="1" sz="1700">
-                <a:solidFill>
-                  <a:srgbClr val="151617"/>
-                </a:solidFill>
-                <a:latin typeface="Inconsolata"/>
-                <a:ea typeface="Inconsolata"/>
-                <a:cs typeface="Inconsolata"/>
-                <a:sym typeface="Inconsolata"/>
-              </a:defRPr>
-            </a:lvl1pPr>
-          </a:lstStyle>
-          <a:p>
-            <a:pPr/>
-            <a:r>
-              <a:t>Redis can be used to build real-time messaging systems, where clients can subscribe to channels and receive notifications when new data is published.</a:t>
-            </a:r>
-          </a:p>
-        </p:txBody>
-      </p:sp>
-      <p:sp>
-        <p:nvSpPr>
-          <p:cNvPr id="71" name="Text 7"/>
-          <p:cNvSpPr txBox="1"/>
-          <p:nvPr/>
-        </p:nvSpPr>
-        <p:spPr>
-          <a:xfrm>
-            <a:off x="9917787" y="3452812"/>
-            <a:ext cx="1951891" cy="430018"/>
-          </a:xfrm>
-          <a:prstGeom prst="rect">
-            <a:avLst/>
-          </a:prstGeom>
-          <a:ln w="12700">
-            <a:miter lim="400000"/>
-          </a:ln>
-          <a:extLst>
-            <a:ext uri="{C572A759-6A51-4108-AA02-DFA0A04FC94B}">
-              <ma14:wrappingTextBoxFlag xmlns:ma14="http://schemas.microsoft.com/office/mac/drawingml/2011/main" val="1"/>
-            </a:ext>
-          </a:extLst>
-        </p:spPr>
-        <p:txBody>
-          <a:bodyPr wrap="none" lIns="45719" rIns="45719">
-            <a:spAutoFit/>
-          </a:bodyPr>
-          <a:lstStyle>
-            <a:lvl1pPr>
-              <a:lnSpc>
-                <a:spcPts val="2700"/>
-              </a:lnSpc>
-              <a:defRPr b="1" sz="2200">
-                <a:solidFill>
-                  <a:srgbClr val="151617"/>
-                </a:solidFill>
-                <a:latin typeface="Montserrat"/>
-                <a:ea typeface="Montserrat"/>
-                <a:cs typeface="Montserrat"/>
-                <a:sym typeface="Montserrat"/>
-              </a:defRPr>
-            </a:lvl1pPr>
-          </a:lstStyle>
-          <a:p>
-            <a:pPr/>
-            <a:r>
-              <a:t>Leaderboards</a:t>
-            </a:r>
-          </a:p>
-        </p:txBody>
-      </p:sp>
-      <p:sp>
-        <p:nvSpPr>
-          <p:cNvPr id="72" name="Text 8"/>
-          <p:cNvSpPr txBox="1"/>
-          <p:nvPr/>
-        </p:nvSpPr>
-        <p:spPr>
-          <a:xfrm>
-            <a:off x="9917787" y="4033956"/>
+            <a:off x="5496891" y="3937249"/>
             <a:ext cx="3886677" cy="1847974"/>
           </a:xfrm>
           <a:prstGeom prst="rect">
@@ -3873,7 +3553,7 @@
       </p:grpSpPr>
       <p:sp>
         <p:nvSpPr>
-          <p:cNvPr id="74" name="Shape 0"/>
+          <p:cNvPr id="72" name="Shape 0"/>
           <p:cNvSpPr/>
           <p:nvPr/>
         </p:nvSpPr>
@@ -3902,7 +3582,7 @@
       </p:sp>
       <p:sp>
         <p:nvSpPr>
-          <p:cNvPr id="75" name="Shape 1"/>
+          <p:cNvPr id="73" name="Shape 1"/>
           <p:cNvSpPr/>
           <p:nvPr/>
         </p:nvSpPr>
@@ -3931,7 +3611,7 @@
       </p:sp>
       <p:pic>
         <p:nvPicPr>
-          <p:cNvPr id="76" name="Image 0" descr="Image 0"/>
+          <p:cNvPr id="74" name="Image 0" descr="Image 0"/>
           <p:cNvPicPr>
             <a:picLocks noChangeAspect="1"/>
           </p:cNvPicPr>
@@ -3960,7 +3640,7 @@
       </p:pic>
       <p:pic>
         <p:nvPicPr>
-          <p:cNvPr id="77" name="Image 1" descr="Image 1"/>
+          <p:cNvPr id="75" name="Image 1" descr="Image 1"/>
           <p:cNvPicPr>
             <a:picLocks noChangeAspect="1"/>
           </p:cNvPicPr>
@@ -3989,7 +3669,7 @@
       </p:pic>
       <p:sp>
         <p:nvSpPr>
-          <p:cNvPr id="78" name="Text 2"/>
+          <p:cNvPr id="76" name="Text 2"/>
           <p:cNvSpPr txBox="1"/>
           <p:nvPr/>
         </p:nvSpPr>
@@ -4040,7 +3720,7 @@
       </p:sp>
       <p:sp>
         <p:nvSpPr>
-          <p:cNvPr id="79" name="Text 3"/>
+          <p:cNvPr id="77" name="Text 3"/>
           <p:cNvSpPr txBox="1"/>
           <p:nvPr/>
         </p:nvSpPr>
@@ -4117,7 +3797,7 @@
       </p:grpSpPr>
       <p:sp>
         <p:nvSpPr>
-          <p:cNvPr id="81" name="Shape 0"/>
+          <p:cNvPr id="79" name="Shape 0"/>
           <p:cNvSpPr/>
           <p:nvPr/>
         </p:nvSpPr>
@@ -4146,7 +3826,7 @@
       </p:sp>
       <p:sp>
         <p:nvSpPr>
-          <p:cNvPr id="82" name="Shape 1"/>
+          <p:cNvPr id="80" name="Shape 1"/>
           <p:cNvSpPr/>
           <p:nvPr/>
         </p:nvSpPr>
@@ -4175,7 +3855,7 @@
       </p:sp>
       <p:pic>
         <p:nvPicPr>
-          <p:cNvPr id="83" name="Image 0" descr="Image 0"/>
+          <p:cNvPr id="81" name="Image 0" descr="Image 0"/>
           <p:cNvPicPr>
             <a:picLocks noChangeAspect="1"/>
           </p:cNvPicPr>
@@ -4204,14 +3884,14 @@
       </p:pic>
       <p:sp>
         <p:nvSpPr>
-          <p:cNvPr id="84" name="Text 2"/>
+          <p:cNvPr id="82" name="Text 2"/>
           <p:cNvSpPr txBox="1"/>
           <p:nvPr/>
         </p:nvSpPr>
         <p:spPr>
           <a:xfrm>
-            <a:off x="6249590" y="663416"/>
-            <a:ext cx="7617620" cy="1351271"/>
+            <a:off x="6249591" y="663415"/>
+            <a:ext cx="7617619" cy="1351272"/>
           </a:xfrm>
           <a:prstGeom prst="rect">
             <a:avLst/>
@@ -4255,7 +3935,7 @@
       </p:sp>
       <p:pic>
         <p:nvPicPr>
-          <p:cNvPr id="85" name="Image 2" descr="Image 2"/>
+          <p:cNvPr id="83" name="Image 2" descr="Image 2"/>
           <p:cNvPicPr>
             <a:picLocks noChangeAspect="1"/>
           </p:cNvPicPr>
@@ -4284,14 +3964,14 @@
       </p:pic>
       <p:sp>
         <p:nvSpPr>
-          <p:cNvPr id="86" name="Text 3"/>
+          <p:cNvPr id="84" name="Text 3"/>
           <p:cNvSpPr txBox="1"/>
           <p:nvPr/>
         </p:nvSpPr>
         <p:spPr>
           <a:xfrm>
             <a:off x="7581900" y="2456855"/>
-            <a:ext cx="1642652" cy="403856"/>
+            <a:ext cx="1642651" cy="403856"/>
           </a:xfrm>
           <a:prstGeom prst="rect">
             <a:avLst/>
@@ -4335,14 +4015,14 @@
       </p:sp>
       <p:sp>
         <p:nvSpPr>
-          <p:cNvPr id="87" name="Text 4"/>
+          <p:cNvPr id="85" name="Text 4"/>
           <p:cNvSpPr txBox="1"/>
           <p:nvPr/>
         </p:nvSpPr>
         <p:spPr>
           <a:xfrm>
             <a:off x="7581900" y="2900123"/>
-            <a:ext cx="6285310" cy="709673"/>
+            <a:ext cx="6285309" cy="709673"/>
           </a:xfrm>
           <a:prstGeom prst="rect">
             <a:avLst/>
@@ -4386,7 +4066,7 @@
       </p:sp>
       <p:pic>
         <p:nvPicPr>
-          <p:cNvPr id="88" name="Image 3" descr="Image 3"/>
+          <p:cNvPr id="86" name="Image 3" descr="Image 3"/>
           <p:cNvPicPr>
             <a:picLocks noChangeAspect="1"/>
           </p:cNvPicPr>
@@ -4415,7 +4095,7 @@
       </p:pic>
       <p:sp>
         <p:nvSpPr>
-          <p:cNvPr id="89" name="Text 5"/>
+          <p:cNvPr id="87" name="Text 5"/>
           <p:cNvSpPr txBox="1"/>
           <p:nvPr/>
         </p:nvSpPr>
@@ -4466,14 +4146,14 @@
       </p:sp>
       <p:sp>
         <p:nvSpPr>
-          <p:cNvPr id="90" name="Text 6"/>
+          <p:cNvPr id="88" name="Text 6"/>
           <p:cNvSpPr txBox="1"/>
           <p:nvPr/>
         </p:nvSpPr>
         <p:spPr>
           <a:xfrm>
             <a:off x="7581900" y="4737258"/>
-            <a:ext cx="6285310" cy="1027173"/>
+            <a:ext cx="6285309" cy="1027173"/>
           </a:xfrm>
           <a:prstGeom prst="rect">
             <a:avLst/>
@@ -4517,7 +4197,7 @@
       </p:sp>
       <p:pic>
         <p:nvPicPr>
-          <p:cNvPr id="91" name="Image 4" descr="Image 4"/>
+          <p:cNvPr id="89" name="Image 4" descr="Image 4"/>
           <p:cNvPicPr>
             <a:picLocks noChangeAspect="1"/>
           </p:cNvPicPr>
@@ -4546,14 +4226,14 @@
       </p:pic>
       <p:sp>
         <p:nvSpPr>
-          <p:cNvPr id="92" name="Text 7"/>
+          <p:cNvPr id="90" name="Text 7"/>
           <p:cNvSpPr txBox="1"/>
           <p:nvPr/>
         </p:nvSpPr>
         <p:spPr>
           <a:xfrm>
             <a:off x="7581900" y="6131123"/>
-            <a:ext cx="1585601" cy="403856"/>
+            <a:ext cx="1585600" cy="403856"/>
           </a:xfrm>
           <a:prstGeom prst="rect">
             <a:avLst/>
@@ -4597,14 +4277,14 @@
       </p:sp>
       <p:sp>
         <p:nvSpPr>
-          <p:cNvPr id="93" name="Text 8"/>
+          <p:cNvPr id="91" name="Text 8"/>
           <p:cNvSpPr txBox="1"/>
           <p:nvPr/>
         </p:nvSpPr>
         <p:spPr>
           <a:xfrm>
             <a:off x="7581900" y="6574393"/>
-            <a:ext cx="6285310" cy="709673"/>
+            <a:ext cx="6285309" cy="709673"/>
           </a:xfrm>
           <a:prstGeom prst="rect">
             <a:avLst/>
@@ -4674,7 +4354,7 @@
       </p:grpSpPr>
       <p:sp>
         <p:nvSpPr>
-          <p:cNvPr id="95" name="Shape 0"/>
+          <p:cNvPr id="93" name="Shape 0"/>
           <p:cNvSpPr/>
           <p:nvPr/>
         </p:nvSpPr>
@@ -4703,7 +4383,7 @@
       </p:sp>
       <p:sp>
         <p:nvSpPr>
-          <p:cNvPr id="96" name="Shape 1"/>
+          <p:cNvPr id="94" name="Shape 1"/>
           <p:cNvSpPr/>
           <p:nvPr/>
         </p:nvSpPr>
@@ -4732,7 +4412,7 @@
       </p:sp>
       <p:pic>
         <p:nvPicPr>
-          <p:cNvPr id="97" name="Image 0" descr="Image 0"/>
+          <p:cNvPr id="95" name="Image 0" descr="Image 0"/>
           <p:cNvPicPr>
             <a:picLocks noChangeAspect="1"/>
           </p:cNvPicPr>
@@ -4761,7 +4441,7 @@
       </p:pic>
       <p:sp>
         <p:nvSpPr>
-          <p:cNvPr id="98" name="Text 2"/>
+          <p:cNvPr id="96" name="Text 2"/>
           <p:cNvSpPr txBox="1"/>
           <p:nvPr/>
         </p:nvSpPr>
@@ -4812,14 +4492,14 @@
       </p:sp>
       <p:sp>
         <p:nvSpPr>
-          <p:cNvPr id="99" name="Text 3"/>
+          <p:cNvPr id="97" name="Text 3"/>
           <p:cNvSpPr txBox="1"/>
           <p:nvPr/>
         </p:nvSpPr>
         <p:spPr>
           <a:xfrm>
-            <a:off x="839510" y="6048374"/>
-            <a:ext cx="12951381" cy="781174"/>
+            <a:off x="839510" y="6048375"/>
+            <a:ext cx="12951381" cy="781173"/>
           </a:xfrm>
           <a:prstGeom prst="rect">
             <a:avLst/>
@@ -4857,1289 +4537,6 @@
             <a:pPr/>
             <a:r>
               <a:t>Connecting to Redis with Spring Data Redis is straightforward. Simply configure the Redis connection in your application context and use the provided annotations to define your Redis entities.</a:t>
-            </a:r>
-          </a:p>
-        </p:txBody>
-      </p:sp>
-    </p:spTree>
-  </p:cSld>
-  <p:clrMapOvr>
-    <a:masterClrMapping/>
-  </p:clrMapOvr>
-  <p:transition xmlns:p14="http://schemas.microsoft.com/office/powerpoint/2010/main" spd="med" advClick="1"/>
-</p:sld>
-</file>
-
-<file path=ppt/slides/slide8.xml><?xml version="1.0" encoding="utf-8"?>
-<p:sld xmlns:a="http://schemas.openxmlformats.org/drawingml/2006/main" xmlns:r="http://schemas.openxmlformats.org/officeDocument/2006/relationships" xmlns:p="http://schemas.openxmlformats.org/presentationml/2006/main" xmlns:m="http://schemas.openxmlformats.org/officeDocument/2006/math" xmlns:a14="http://schemas.microsoft.com/office/drawing/2010/main" showMasterSp="1" showMasterPhAnim="1">
-  <p:cSld>
-    <p:spTree>
-      <p:nvGrpSpPr>
-        <p:cNvPr id="1" name=""/>
-        <p:cNvGrpSpPr/>
-        <p:nvPr/>
-      </p:nvGrpSpPr>
-      <p:grpSpPr>
-        <a:xfrm>
-          <a:off x="0" y="0"/>
-          <a:ext cx="0" cy="0"/>
-          <a:chOff x="0" y="0"/>
-          <a:chExt cx="0" cy="0"/>
-        </a:xfrm>
-      </p:grpSpPr>
-      <p:sp>
-        <p:nvSpPr>
-          <p:cNvPr id="101" name="Shape 0"/>
-          <p:cNvSpPr/>
-          <p:nvPr/>
-        </p:nvSpPr>
-        <p:spPr>
-          <a:xfrm>
-            <a:off x="0" y="0"/>
-            <a:ext cx="14630400" cy="8229600"/>
-          </a:xfrm>
-          <a:prstGeom prst="rect">
-            <a:avLst/>
-          </a:prstGeom>
-          <a:solidFill>
-            <a:srgbClr val="F8ECE4"/>
-          </a:solidFill>
-          <a:ln w="12700">
-            <a:miter lim="400000"/>
-          </a:ln>
-        </p:spPr>
-        <p:txBody>
-          <a:bodyPr lIns="45719" rIns="45719"/>
-          <a:lstStyle/>
-          <a:p>
-            <a:pPr/>
-          </a:p>
-        </p:txBody>
-      </p:sp>
-      <p:sp>
-        <p:nvSpPr>
-          <p:cNvPr id="102" name="Shape 1"/>
-          <p:cNvSpPr/>
-          <p:nvPr/>
-        </p:nvSpPr>
-        <p:spPr>
-          <a:xfrm>
-            <a:off x="0" y="0"/>
-            <a:ext cx="14630400" cy="8231624"/>
-          </a:xfrm>
-          <a:prstGeom prst="rect">
-            <a:avLst/>
-          </a:prstGeom>
-          <a:solidFill>
-            <a:srgbClr val="F8ECE4"/>
-          </a:solidFill>
-          <a:ln w="12700">
-            <a:miter lim="400000"/>
-          </a:ln>
-        </p:spPr>
-        <p:txBody>
-          <a:bodyPr lIns="45719" rIns="45719"/>
-          <a:lstStyle/>
-          <a:p>
-            <a:pPr/>
-          </a:p>
-        </p:txBody>
-      </p:sp>
-      <p:pic>
-        <p:nvPicPr>
-          <p:cNvPr id="103" name="Image 0" descr="Image 0"/>
-          <p:cNvPicPr>
-            <a:picLocks noChangeAspect="1"/>
-          </p:cNvPicPr>
-          <p:nvPr/>
-        </p:nvPicPr>
-        <p:blipFill>
-          <a:blip r:embed="rId2">
-            <a:extLst/>
-          </a:blip>
-          <a:stretch>
-            <a:fillRect/>
-          </a:stretch>
-        </p:blipFill>
-        <p:spPr>
-          <a:xfrm>
-            <a:off x="0" y="0"/>
-            <a:ext cx="14630400" cy="2729152"/>
-          </a:xfrm>
-          <a:prstGeom prst="rect">
-            <a:avLst/>
-          </a:prstGeom>
-          <a:ln w="12700">
-            <a:miter lim="400000"/>
-          </a:ln>
-        </p:spPr>
-      </p:pic>
-      <p:sp>
-        <p:nvSpPr>
-          <p:cNvPr id="104" name="Text 2"/>
-          <p:cNvSpPr txBox="1"/>
-          <p:nvPr/>
-        </p:nvSpPr>
-        <p:spPr>
-          <a:xfrm>
-            <a:off x="809862" y="3329463"/>
-            <a:ext cx="10862517" cy="752593"/>
-          </a:xfrm>
-          <a:prstGeom prst="rect">
-            <a:avLst/>
-          </a:prstGeom>
-          <a:ln w="12700">
-            <a:miter lim="400000"/>
-          </a:ln>
-          <a:extLst>
-            <a:ext uri="{C572A759-6A51-4108-AA02-DFA0A04FC94B}">
-              <ma14:wrappingTextBoxFlag xmlns:ma14="http://schemas.microsoft.com/office/mac/drawingml/2011/main" val="1"/>
-            </a:ext>
-          </a:extLst>
-        </p:spPr>
-        <p:txBody>
-          <a:bodyPr wrap="none" lIns="45719" rIns="45719">
-            <a:spAutoFit/>
-          </a:bodyPr>
-          <a:lstStyle>
-            <a:lvl1pPr>
-              <a:lnSpc>
-                <a:spcPts val="5300"/>
-              </a:lnSpc>
-              <a:defRPr b="1" sz="4200">
-                <a:solidFill>
-                  <a:srgbClr val="151617"/>
-                </a:solidFill>
-                <a:latin typeface="Montserrat"/>
-                <a:ea typeface="Montserrat"/>
-                <a:cs typeface="Montserrat"/>
-                <a:sym typeface="Montserrat"/>
-              </a:defRPr>
-            </a:lvl1pPr>
-          </a:lstStyle>
-          <a:p>
-            <a:pPr/>
-            <a:r>
-              <a:t>Caching with Redis and Spring Data Redis</a:t>
-            </a:r>
-          </a:p>
-        </p:txBody>
-      </p:sp>
-      <p:sp>
-        <p:nvSpPr>
-          <p:cNvPr id="105" name="Shape 3"/>
-          <p:cNvSpPr/>
-          <p:nvPr/>
-        </p:nvSpPr>
-        <p:spPr>
-          <a:xfrm>
-            <a:off x="764142" y="4339232"/>
-            <a:ext cx="13102115" cy="3292079"/>
-          </a:xfrm>
-          <a:prstGeom prst="roundRect">
-            <a:avLst>
-              <a:gd name="adj" fmla="val 278"/>
-            </a:avLst>
-          </a:prstGeom>
-          <a:ln w="7620">
-            <a:solidFill>
-              <a:srgbClr val="000000">
-                <a:alpha val="8000"/>
-              </a:srgbClr>
-            </a:solidFill>
-          </a:ln>
-        </p:spPr>
-        <p:txBody>
-          <a:bodyPr lIns="45719" rIns="45719"/>
-          <a:lstStyle/>
-          <a:p>
-            <a:pPr/>
-          </a:p>
-        </p:txBody>
-      </p:sp>
-      <p:sp>
-        <p:nvSpPr>
-          <p:cNvPr id="106" name="Shape 4"/>
-          <p:cNvSpPr/>
-          <p:nvPr/>
-        </p:nvSpPr>
-        <p:spPr>
-          <a:xfrm>
-            <a:off x="771762" y="4346852"/>
-            <a:ext cx="13086876" cy="1325167"/>
-          </a:xfrm>
-          <a:prstGeom prst="rect">
-            <a:avLst/>
-          </a:prstGeom>
-          <a:solidFill>
-            <a:srgbClr val="FFFFFF">
-              <a:alpha val="4000"/>
-            </a:srgbClr>
-          </a:solidFill>
-          <a:ln w="12700">
-            <a:miter lim="400000"/>
-          </a:ln>
-        </p:spPr>
-        <p:txBody>
-          <a:bodyPr lIns="45719" rIns="45719"/>
-          <a:lstStyle/>
-          <a:p>
-            <a:pPr/>
-          </a:p>
-        </p:txBody>
-      </p:sp>
-      <p:sp>
-        <p:nvSpPr>
-          <p:cNvPr id="107" name="Text 5"/>
-          <p:cNvSpPr txBox="1"/>
-          <p:nvPr/>
-        </p:nvSpPr>
-        <p:spPr>
-          <a:xfrm>
-            <a:off x="1035724" y="4485442"/>
-            <a:ext cx="1483772" cy="415413"/>
-          </a:xfrm>
-          <a:prstGeom prst="rect">
-            <a:avLst/>
-          </a:prstGeom>
-          <a:ln w="12700">
-            <a:miter lim="400000"/>
-          </a:ln>
-          <a:extLst>
-            <a:ext uri="{C572A759-6A51-4108-AA02-DFA0A04FC94B}">
-              <ma14:wrappingTextBoxFlag xmlns:ma14="http://schemas.microsoft.com/office/mac/drawingml/2011/main" val="1"/>
-            </a:ext>
-          </a:extLst>
-        </p:spPr>
-        <p:txBody>
-          <a:bodyPr wrap="none" lIns="45719" rIns="45719">
-            <a:spAutoFit/>
-          </a:bodyPr>
-          <a:lstStyle>
-            <a:lvl1pPr>
-              <a:lnSpc>
-                <a:spcPts val="2700"/>
-              </a:lnSpc>
-              <a:defRPr b="1" sz="1700">
-                <a:solidFill>
-                  <a:srgbClr val="151617"/>
-                </a:solidFill>
-                <a:latin typeface="Inconsolata"/>
-                <a:ea typeface="Inconsolata"/>
-                <a:cs typeface="Inconsolata"/>
-                <a:sym typeface="Inconsolata"/>
-              </a:defRPr>
-            </a:lvl1pPr>
-          </a:lstStyle>
-          <a:p>
-            <a:pPr/>
-            <a:r>
-              <a:t>Caching Data</a:t>
-            </a:r>
-          </a:p>
-        </p:txBody>
-      </p:sp>
-      <p:sp>
-        <p:nvSpPr>
-          <p:cNvPr id="108" name="Text 6"/>
-          <p:cNvSpPr txBox="1"/>
-          <p:nvPr/>
-        </p:nvSpPr>
-        <p:spPr>
-          <a:xfrm>
-            <a:off x="7582972" y="4485442"/>
-            <a:ext cx="6011705" cy="1101213"/>
-          </a:xfrm>
-          <a:prstGeom prst="rect">
-            <a:avLst/>
-          </a:prstGeom>
-          <a:ln w="12700">
-            <a:miter lim="400000"/>
-          </a:ln>
-          <a:extLst>
-            <a:ext uri="{C572A759-6A51-4108-AA02-DFA0A04FC94B}">
-              <ma14:wrappingTextBoxFlag xmlns:ma14="http://schemas.microsoft.com/office/mac/drawingml/2011/main" val="1"/>
-            </a:ext>
-          </a:extLst>
-        </p:spPr>
-        <p:txBody>
-          <a:bodyPr lIns="45719" rIns="45719">
-            <a:spAutoFit/>
-          </a:bodyPr>
-          <a:lstStyle>
-            <a:lvl1pPr>
-              <a:lnSpc>
-                <a:spcPts val="2700"/>
-              </a:lnSpc>
-              <a:defRPr b="1" sz="1700">
-                <a:solidFill>
-                  <a:srgbClr val="151617"/>
-                </a:solidFill>
-                <a:latin typeface="Inconsolata"/>
-                <a:ea typeface="Inconsolata"/>
-                <a:cs typeface="Inconsolata"/>
-                <a:sym typeface="Inconsolata"/>
-              </a:defRPr>
-            </a:lvl1pPr>
-          </a:lstStyle>
-          <a:p>
-            <a:pPr/>
-            <a:r>
-              <a:t>Redis is a powerful tool for implementing caching, reducing the number of times your application needs to query the database.</a:t>
-            </a:r>
-          </a:p>
-        </p:txBody>
-      </p:sp>
-      <p:sp>
-        <p:nvSpPr>
-          <p:cNvPr id="109" name="Shape 7"/>
-          <p:cNvSpPr/>
-          <p:nvPr/>
-        </p:nvSpPr>
-        <p:spPr>
-          <a:xfrm>
-            <a:off x="771762" y="5672018"/>
-            <a:ext cx="13086876" cy="975837"/>
-          </a:xfrm>
-          <a:prstGeom prst="rect">
-            <a:avLst/>
-          </a:prstGeom>
-          <a:solidFill>
-            <a:srgbClr val="000000">
-              <a:alpha val="4000"/>
-            </a:srgbClr>
-          </a:solidFill>
-          <a:ln w="12700">
-            <a:miter lim="400000"/>
-          </a:ln>
-        </p:spPr>
-        <p:txBody>
-          <a:bodyPr lIns="45719" rIns="45719"/>
-          <a:lstStyle/>
-          <a:p>
-            <a:pPr/>
-          </a:p>
-        </p:txBody>
-      </p:sp>
-      <p:sp>
-        <p:nvSpPr>
-          <p:cNvPr id="110" name="Text 8"/>
-          <p:cNvSpPr txBox="1"/>
-          <p:nvPr/>
-        </p:nvSpPr>
-        <p:spPr>
-          <a:xfrm>
-            <a:off x="1035724" y="5810606"/>
-            <a:ext cx="3139076" cy="415414"/>
-          </a:xfrm>
-          <a:prstGeom prst="rect">
-            <a:avLst/>
-          </a:prstGeom>
-          <a:ln w="12700">
-            <a:miter lim="400000"/>
-          </a:ln>
-          <a:extLst>
-            <a:ext uri="{C572A759-6A51-4108-AA02-DFA0A04FC94B}">
-              <ma14:wrappingTextBoxFlag xmlns:ma14="http://schemas.microsoft.com/office/mac/drawingml/2011/main" val="1"/>
-            </a:ext>
-          </a:extLst>
-        </p:spPr>
-        <p:txBody>
-          <a:bodyPr wrap="none" lIns="45719" rIns="45719">
-            <a:spAutoFit/>
-          </a:bodyPr>
-          <a:lstStyle>
-            <a:lvl1pPr>
-              <a:lnSpc>
-                <a:spcPts val="2700"/>
-              </a:lnSpc>
-              <a:defRPr b="1" sz="1700">
-                <a:solidFill>
-                  <a:srgbClr val="151617"/>
-                </a:solidFill>
-                <a:latin typeface="Inconsolata"/>
-                <a:ea typeface="Inconsolata"/>
-                <a:cs typeface="Inconsolata"/>
-                <a:sym typeface="Inconsolata"/>
-              </a:defRPr>
-            </a:lvl1pPr>
-          </a:lstStyle>
-          <a:p>
-            <a:pPr/>
-            <a:r>
-              <a:t>Spring Data Redis Integration</a:t>
-            </a:r>
-          </a:p>
-        </p:txBody>
-      </p:sp>
-      <p:sp>
-        <p:nvSpPr>
-          <p:cNvPr id="111" name="Text 9"/>
-          <p:cNvSpPr txBox="1"/>
-          <p:nvPr/>
-        </p:nvSpPr>
-        <p:spPr>
-          <a:xfrm>
-            <a:off x="7582972" y="5810606"/>
-            <a:ext cx="6011705" cy="758314"/>
-          </a:xfrm>
-          <a:prstGeom prst="rect">
-            <a:avLst/>
-          </a:prstGeom>
-          <a:ln w="12700">
-            <a:miter lim="400000"/>
-          </a:ln>
-          <a:extLst>
-            <a:ext uri="{C572A759-6A51-4108-AA02-DFA0A04FC94B}">
-              <ma14:wrappingTextBoxFlag xmlns:ma14="http://schemas.microsoft.com/office/mac/drawingml/2011/main" val="1"/>
-            </a:ext>
-          </a:extLst>
-        </p:spPr>
-        <p:txBody>
-          <a:bodyPr lIns="45719" rIns="45719">
-            <a:spAutoFit/>
-          </a:bodyPr>
-          <a:lstStyle>
-            <a:lvl1pPr>
-              <a:lnSpc>
-                <a:spcPts val="2700"/>
-              </a:lnSpc>
-              <a:defRPr b="1" sz="1700">
-                <a:solidFill>
-                  <a:srgbClr val="151617"/>
-                </a:solidFill>
-                <a:latin typeface="Inconsolata"/>
-                <a:ea typeface="Inconsolata"/>
-                <a:cs typeface="Inconsolata"/>
-                <a:sym typeface="Inconsolata"/>
-              </a:defRPr>
-            </a:lvl1pPr>
-          </a:lstStyle>
-          <a:p>
-            <a:pPr/>
-            <a:r>
-              <a:t>Spring Data Redis provides annotations to easily configure caching and manage cache evictions.</a:t>
-            </a:r>
-          </a:p>
-        </p:txBody>
-      </p:sp>
-      <p:sp>
-        <p:nvSpPr>
-          <p:cNvPr id="112" name="Shape 10"/>
-          <p:cNvSpPr/>
-          <p:nvPr/>
-        </p:nvSpPr>
-        <p:spPr>
-          <a:xfrm>
-            <a:off x="771762" y="6647854"/>
-            <a:ext cx="13086876" cy="975837"/>
-          </a:xfrm>
-          <a:prstGeom prst="rect">
-            <a:avLst/>
-          </a:prstGeom>
-          <a:solidFill>
-            <a:srgbClr val="FFFFFF">
-              <a:alpha val="4000"/>
-            </a:srgbClr>
-          </a:solidFill>
-          <a:ln w="12700">
-            <a:miter lim="400000"/>
-          </a:ln>
-        </p:spPr>
-        <p:txBody>
-          <a:bodyPr lIns="45719" rIns="45719"/>
-          <a:lstStyle/>
-          <a:p>
-            <a:pPr/>
-          </a:p>
-        </p:txBody>
-      </p:sp>
-      <p:sp>
-        <p:nvSpPr>
-          <p:cNvPr id="113" name="Text 11"/>
-          <p:cNvSpPr txBox="1"/>
-          <p:nvPr/>
-        </p:nvSpPr>
-        <p:spPr>
-          <a:xfrm>
-            <a:off x="1035724" y="6786443"/>
-            <a:ext cx="2515833" cy="415413"/>
-          </a:xfrm>
-          <a:prstGeom prst="rect">
-            <a:avLst/>
-          </a:prstGeom>
-          <a:ln w="12700">
-            <a:miter lim="400000"/>
-          </a:ln>
-          <a:extLst>
-            <a:ext uri="{C572A759-6A51-4108-AA02-DFA0A04FC94B}">
-              <ma14:wrappingTextBoxFlag xmlns:ma14="http://schemas.microsoft.com/office/mac/drawingml/2011/main" val="1"/>
-            </a:ext>
-          </a:extLst>
-        </p:spPr>
-        <p:txBody>
-          <a:bodyPr wrap="none" lIns="45719" rIns="45719">
-            <a:spAutoFit/>
-          </a:bodyPr>
-          <a:lstStyle>
-            <a:lvl1pPr>
-              <a:lnSpc>
-                <a:spcPts val="2700"/>
-              </a:lnSpc>
-              <a:defRPr b="1" sz="1700">
-                <a:solidFill>
-                  <a:srgbClr val="151617"/>
-                </a:solidFill>
-                <a:latin typeface="Inconsolata"/>
-                <a:ea typeface="Inconsolata"/>
-                <a:cs typeface="Inconsolata"/>
-                <a:sym typeface="Inconsolata"/>
-              </a:defRPr>
-            </a:lvl1pPr>
-          </a:lstStyle>
-          <a:p>
-            <a:pPr/>
-            <a:r>
-              <a:t>Enhanced Performance</a:t>
-            </a:r>
-          </a:p>
-        </p:txBody>
-      </p:sp>
-      <p:sp>
-        <p:nvSpPr>
-          <p:cNvPr id="114" name="Text 12"/>
-          <p:cNvSpPr txBox="1"/>
-          <p:nvPr/>
-        </p:nvSpPr>
-        <p:spPr>
-          <a:xfrm>
-            <a:off x="7582972" y="6786443"/>
-            <a:ext cx="6011705" cy="758313"/>
-          </a:xfrm>
-          <a:prstGeom prst="rect">
-            <a:avLst/>
-          </a:prstGeom>
-          <a:ln w="12700">
-            <a:miter lim="400000"/>
-          </a:ln>
-          <a:extLst>
-            <a:ext uri="{C572A759-6A51-4108-AA02-DFA0A04FC94B}">
-              <ma14:wrappingTextBoxFlag xmlns:ma14="http://schemas.microsoft.com/office/mac/drawingml/2011/main" val="1"/>
-            </a:ext>
-          </a:extLst>
-        </p:spPr>
-        <p:txBody>
-          <a:bodyPr lIns="45719" rIns="45719">
-            <a:spAutoFit/>
-          </a:bodyPr>
-          <a:lstStyle>
-            <a:lvl1pPr>
-              <a:lnSpc>
-                <a:spcPts val="2700"/>
-              </a:lnSpc>
-              <a:defRPr b="1" sz="1700">
-                <a:solidFill>
-                  <a:srgbClr val="151617"/>
-                </a:solidFill>
-                <a:latin typeface="Inconsolata"/>
-                <a:ea typeface="Inconsolata"/>
-                <a:cs typeface="Inconsolata"/>
-                <a:sym typeface="Inconsolata"/>
-              </a:defRPr>
-            </a:lvl1pPr>
-          </a:lstStyle>
-          <a:p>
-            <a:pPr/>
-            <a:r>
-              <a:t>Caching improves application performance by reducing database load and speeding up response times.</a:t>
-            </a:r>
-          </a:p>
-        </p:txBody>
-      </p:sp>
-    </p:spTree>
-  </p:cSld>
-  <p:clrMapOvr>
-    <a:masterClrMapping/>
-  </p:clrMapOvr>
-  <p:transition xmlns:p14="http://schemas.microsoft.com/office/powerpoint/2010/main" spd="med" advClick="1"/>
-</p:sld>
-</file>
-
-<file path=ppt/slides/slide9.xml><?xml version="1.0" encoding="utf-8"?>
-<p:sld xmlns:a="http://schemas.openxmlformats.org/drawingml/2006/main" xmlns:r="http://schemas.openxmlformats.org/officeDocument/2006/relationships" xmlns:p="http://schemas.openxmlformats.org/presentationml/2006/main" xmlns:m="http://schemas.openxmlformats.org/officeDocument/2006/math" xmlns:a14="http://schemas.microsoft.com/office/drawing/2010/main" showMasterSp="1" showMasterPhAnim="1">
-  <p:cSld>
-    <p:spTree>
-      <p:nvGrpSpPr>
-        <p:cNvPr id="1" name=""/>
-        <p:cNvGrpSpPr/>
-        <p:nvPr/>
-      </p:nvGrpSpPr>
-      <p:grpSpPr>
-        <a:xfrm>
-          <a:off x="0" y="0"/>
-          <a:ext cx="0" cy="0"/>
-          <a:chOff x="0" y="0"/>
-          <a:chExt cx="0" cy="0"/>
-        </a:xfrm>
-      </p:grpSpPr>
-      <p:sp>
-        <p:nvSpPr>
-          <p:cNvPr id="116" name="Shape 0"/>
-          <p:cNvSpPr/>
-          <p:nvPr/>
-        </p:nvSpPr>
-        <p:spPr>
-          <a:xfrm>
-            <a:off x="0" y="0"/>
-            <a:ext cx="14630400" cy="8229600"/>
-          </a:xfrm>
-          <a:prstGeom prst="rect">
-            <a:avLst/>
-          </a:prstGeom>
-          <a:solidFill>
-            <a:srgbClr val="F8ECE4"/>
-          </a:solidFill>
-          <a:ln w="12700">
-            <a:miter lim="400000"/>
-          </a:ln>
-        </p:spPr>
-        <p:txBody>
-          <a:bodyPr lIns="45719" rIns="45719"/>
-          <a:lstStyle/>
-          <a:p>
-            <a:pPr/>
-          </a:p>
-        </p:txBody>
-      </p:sp>
-      <p:sp>
-        <p:nvSpPr>
-          <p:cNvPr id="117" name="Shape 1"/>
-          <p:cNvSpPr/>
-          <p:nvPr/>
-        </p:nvSpPr>
-        <p:spPr>
-          <a:xfrm>
-            <a:off x="0" y="0"/>
-            <a:ext cx="14630400" cy="8229600"/>
-          </a:xfrm>
-          <a:prstGeom prst="rect">
-            <a:avLst/>
-          </a:prstGeom>
-          <a:solidFill>
-            <a:srgbClr val="F8ECE4"/>
-          </a:solidFill>
-          <a:ln w="12700">
-            <a:miter lim="400000"/>
-          </a:ln>
-        </p:spPr>
-        <p:txBody>
-          <a:bodyPr lIns="45719" rIns="45719"/>
-          <a:lstStyle/>
-          <a:p>
-            <a:pPr/>
-          </a:p>
-        </p:txBody>
-      </p:sp>
-      <p:pic>
-        <p:nvPicPr>
-          <p:cNvPr id="118" name="Image 0" descr="Image 0"/>
-          <p:cNvPicPr>
-            <a:picLocks noChangeAspect="1"/>
-          </p:cNvPicPr>
-          <p:nvPr/>
-        </p:nvPicPr>
-        <p:blipFill>
-          <a:blip r:embed="rId2">
-            <a:extLst/>
-          </a:blip>
-          <a:stretch>
-            <a:fillRect/>
-          </a:stretch>
-        </p:blipFill>
-        <p:spPr>
-          <a:xfrm>
-            <a:off x="0" y="0"/>
-            <a:ext cx="14630400" cy="2503766"/>
-          </a:xfrm>
-          <a:prstGeom prst="rect">
-            <a:avLst/>
-          </a:prstGeom>
-          <a:ln w="12700">
-            <a:miter lim="400000"/>
-          </a:ln>
-        </p:spPr>
-      </p:pic>
-      <p:sp>
-        <p:nvSpPr>
-          <p:cNvPr id="119" name="Text 2"/>
-          <p:cNvSpPr txBox="1"/>
-          <p:nvPr/>
-        </p:nvSpPr>
-        <p:spPr>
-          <a:xfrm>
-            <a:off x="746760" y="3215164"/>
-            <a:ext cx="10013043" cy="703190"/>
-          </a:xfrm>
-          <a:prstGeom prst="rect">
-            <a:avLst/>
-          </a:prstGeom>
-          <a:ln w="12700">
-            <a:miter lim="400000"/>
-          </a:ln>
-          <a:extLst>
-            <a:ext uri="{C572A759-6A51-4108-AA02-DFA0A04FC94B}">
-              <ma14:wrappingTextBoxFlag xmlns:ma14="http://schemas.microsoft.com/office/mac/drawingml/2011/main" val="1"/>
-            </a:ext>
-          </a:extLst>
-        </p:spPr>
-        <p:txBody>
-          <a:bodyPr wrap="none" lIns="45719" rIns="45719">
-            <a:spAutoFit/>
-          </a:bodyPr>
-          <a:lstStyle>
-            <a:lvl1pPr>
-              <a:lnSpc>
-                <a:spcPts val="4900"/>
-              </a:lnSpc>
-              <a:defRPr b="1" sz="3900">
-                <a:solidFill>
-                  <a:srgbClr val="151617"/>
-                </a:solidFill>
-                <a:latin typeface="Montserrat"/>
-                <a:ea typeface="Montserrat"/>
-                <a:cs typeface="Montserrat"/>
-                <a:sym typeface="Montserrat"/>
-              </a:defRPr>
-            </a:lvl1pPr>
-          </a:lstStyle>
-          <a:p>
-            <a:pPr/>
-            <a:r>
-              <a:t>Redis Data Structures: Beyond the Basics</a:t>
-            </a:r>
-          </a:p>
-        </p:txBody>
-      </p:sp>
-      <p:pic>
-        <p:nvPicPr>
-          <p:cNvPr id="120" name="Image 2" descr="Image 2"/>
-          <p:cNvPicPr>
-            <a:picLocks noChangeAspect="1"/>
-          </p:cNvPicPr>
-          <p:nvPr/>
-        </p:nvPicPr>
-        <p:blipFill>
-          <a:blip r:embed="rId3">
-            <a:extLst/>
-          </a:blip>
-          <a:stretch>
-            <a:fillRect/>
-          </a:stretch>
-        </p:blipFill>
-        <p:spPr>
-          <a:xfrm>
-            <a:off x="701040" y="4141470"/>
-            <a:ext cx="500659" cy="500659"/>
-          </a:xfrm>
-          <a:prstGeom prst="rect">
-            <a:avLst/>
-          </a:prstGeom>
-          <a:ln w="12700">
-            <a:miter lim="400000"/>
-          </a:ln>
-        </p:spPr>
-      </p:pic>
-      <p:sp>
-        <p:nvSpPr>
-          <p:cNvPr id="121" name="Text 3"/>
-          <p:cNvSpPr txBox="1"/>
-          <p:nvPr/>
-        </p:nvSpPr>
-        <p:spPr>
-          <a:xfrm>
-            <a:off x="746760" y="4842390"/>
-            <a:ext cx="667331" cy="390776"/>
-          </a:xfrm>
-          <a:prstGeom prst="rect">
-            <a:avLst/>
-          </a:prstGeom>
-          <a:ln w="12700">
-            <a:miter lim="400000"/>
-          </a:ln>
-          <a:extLst>
-            <a:ext uri="{C572A759-6A51-4108-AA02-DFA0A04FC94B}">
-              <ma14:wrappingTextBoxFlag xmlns:ma14="http://schemas.microsoft.com/office/mac/drawingml/2011/main" val="1"/>
-            </a:ext>
-          </a:extLst>
-        </p:spPr>
-        <p:txBody>
-          <a:bodyPr wrap="none" lIns="45719" rIns="45719">
-            <a:spAutoFit/>
-          </a:bodyPr>
-          <a:lstStyle>
-            <a:lvl1pPr>
-              <a:lnSpc>
-                <a:spcPts val="2400"/>
-              </a:lnSpc>
-              <a:defRPr b="1" sz="1900">
-                <a:solidFill>
-                  <a:srgbClr val="151617"/>
-                </a:solidFill>
-                <a:latin typeface="Montserrat"/>
-                <a:ea typeface="Montserrat"/>
-                <a:cs typeface="Montserrat"/>
-                <a:sym typeface="Montserrat"/>
-              </a:defRPr>
-            </a:lvl1pPr>
-          </a:lstStyle>
-          <a:p>
-            <a:pPr/>
-            <a:r>
-              <a:t>Lists</a:t>
-            </a:r>
-          </a:p>
-        </p:txBody>
-      </p:sp>
-      <p:sp>
-        <p:nvSpPr>
-          <p:cNvPr id="122" name="Text 4"/>
-          <p:cNvSpPr txBox="1"/>
-          <p:nvPr/>
-        </p:nvSpPr>
-        <p:spPr>
-          <a:xfrm>
-            <a:off x="746759" y="5275421"/>
-            <a:ext cx="2990257" cy="2294252"/>
-          </a:xfrm>
-          <a:prstGeom prst="rect">
-            <a:avLst/>
-          </a:prstGeom>
-          <a:ln w="12700">
-            <a:miter lim="400000"/>
-          </a:ln>
-          <a:extLst>
-            <a:ext uri="{C572A759-6A51-4108-AA02-DFA0A04FC94B}">
-              <ma14:wrappingTextBoxFlag xmlns:ma14="http://schemas.microsoft.com/office/mac/drawingml/2011/main" val="1"/>
-            </a:ext>
-          </a:extLst>
-        </p:spPr>
-        <p:txBody>
-          <a:bodyPr lIns="45719" rIns="45719">
-            <a:spAutoFit/>
-          </a:bodyPr>
-          <a:lstStyle>
-            <a:lvl1pPr>
-              <a:lnSpc>
-                <a:spcPts val="2500"/>
-              </a:lnSpc>
-              <a:defRPr b="1" sz="1500">
-                <a:solidFill>
-                  <a:srgbClr val="151617"/>
-                </a:solidFill>
-                <a:latin typeface="Inconsolata"/>
-                <a:ea typeface="Inconsolata"/>
-                <a:cs typeface="Inconsolata"/>
-                <a:sym typeface="Inconsolata"/>
-              </a:defRPr>
-            </a:lvl1pPr>
-          </a:lstStyle>
-          <a:p>
-            <a:pPr/>
-            <a:r>
-              <a:t>Lists are ordered collections that allow you to store elements in a specific sequence. They are useful for implementing queues, stacks, and other ordered data structures.</a:t>
-            </a:r>
-          </a:p>
-        </p:txBody>
-      </p:sp>
-      <p:pic>
-        <p:nvPicPr>
-          <p:cNvPr id="123" name="Image 3" descr="Image 3"/>
-          <p:cNvPicPr>
-            <a:picLocks noChangeAspect="1"/>
-          </p:cNvPicPr>
-          <p:nvPr/>
-        </p:nvPicPr>
-        <p:blipFill>
-          <a:blip r:embed="rId4">
-            <a:extLst/>
-          </a:blip>
-          <a:stretch>
-            <a:fillRect/>
-          </a:stretch>
-        </p:blipFill>
-        <p:spPr>
-          <a:xfrm>
-            <a:off x="4083129" y="4141470"/>
-            <a:ext cx="500659" cy="500659"/>
-          </a:xfrm>
-          <a:prstGeom prst="rect">
-            <a:avLst/>
-          </a:prstGeom>
-          <a:ln w="12700">
-            <a:miter lim="400000"/>
-          </a:ln>
-        </p:spPr>
-      </p:pic>
-      <p:sp>
-        <p:nvSpPr>
-          <p:cNvPr id="124" name="Text 5"/>
-          <p:cNvSpPr txBox="1"/>
-          <p:nvPr/>
-        </p:nvSpPr>
-        <p:spPr>
-          <a:xfrm>
-            <a:off x="4128849" y="4842390"/>
-            <a:ext cx="613840" cy="390776"/>
-          </a:xfrm>
-          <a:prstGeom prst="rect">
-            <a:avLst/>
-          </a:prstGeom>
-          <a:ln w="12700">
-            <a:miter lim="400000"/>
-          </a:ln>
-          <a:extLst>
-            <a:ext uri="{C572A759-6A51-4108-AA02-DFA0A04FC94B}">
-              <ma14:wrappingTextBoxFlag xmlns:ma14="http://schemas.microsoft.com/office/mac/drawingml/2011/main" val="1"/>
-            </a:ext>
-          </a:extLst>
-        </p:spPr>
-        <p:txBody>
-          <a:bodyPr wrap="none" lIns="45719" rIns="45719">
-            <a:spAutoFit/>
-          </a:bodyPr>
-          <a:lstStyle>
-            <a:lvl1pPr>
-              <a:lnSpc>
-                <a:spcPts val="2400"/>
-              </a:lnSpc>
-              <a:defRPr b="1" sz="1900">
-                <a:solidFill>
-                  <a:srgbClr val="151617"/>
-                </a:solidFill>
-                <a:latin typeface="Montserrat"/>
-                <a:ea typeface="Montserrat"/>
-                <a:cs typeface="Montserrat"/>
-                <a:sym typeface="Montserrat"/>
-              </a:defRPr>
-            </a:lvl1pPr>
-          </a:lstStyle>
-          <a:p>
-            <a:pPr/>
-            <a:r>
-              <a:t>Sets</a:t>
-            </a:r>
-          </a:p>
-        </p:txBody>
-      </p:sp>
-      <p:sp>
-        <p:nvSpPr>
-          <p:cNvPr id="125" name="Text 6"/>
-          <p:cNvSpPr txBox="1"/>
-          <p:nvPr/>
-        </p:nvSpPr>
-        <p:spPr>
-          <a:xfrm>
-            <a:off x="4128849" y="5275421"/>
-            <a:ext cx="2990375" cy="1659252"/>
-          </a:xfrm>
-          <a:prstGeom prst="rect">
-            <a:avLst/>
-          </a:prstGeom>
-          <a:ln w="12700">
-            <a:miter lim="400000"/>
-          </a:ln>
-          <a:extLst>
-            <a:ext uri="{C572A759-6A51-4108-AA02-DFA0A04FC94B}">
-              <ma14:wrappingTextBoxFlag xmlns:ma14="http://schemas.microsoft.com/office/mac/drawingml/2011/main" val="1"/>
-            </a:ext>
-          </a:extLst>
-        </p:spPr>
-        <p:txBody>
-          <a:bodyPr lIns="45719" rIns="45719">
-            <a:spAutoFit/>
-          </a:bodyPr>
-          <a:lstStyle>
-            <a:lvl1pPr>
-              <a:lnSpc>
-                <a:spcPts val="2500"/>
-              </a:lnSpc>
-              <a:defRPr b="1" sz="1500">
-                <a:solidFill>
-                  <a:srgbClr val="151617"/>
-                </a:solidFill>
-                <a:latin typeface="Inconsolata"/>
-                <a:ea typeface="Inconsolata"/>
-                <a:cs typeface="Inconsolata"/>
-                <a:sym typeface="Inconsolata"/>
-              </a:defRPr>
-            </a:lvl1pPr>
-          </a:lstStyle>
-          <a:p>
-            <a:pPr/>
-            <a:r>
-              <a:t>Sets are unordered collections of unique elements. They are useful for implementing operations like union, intersection, and difference.</a:t>
-            </a:r>
-          </a:p>
-        </p:txBody>
-      </p:sp>
-      <p:pic>
-        <p:nvPicPr>
-          <p:cNvPr id="126" name="Image 4" descr="Image 4"/>
-          <p:cNvPicPr>
-            <a:picLocks noChangeAspect="1"/>
-          </p:cNvPicPr>
-          <p:nvPr/>
-        </p:nvPicPr>
-        <p:blipFill>
-          <a:blip r:embed="rId5">
-            <a:extLst/>
-          </a:blip>
-          <a:stretch>
-            <a:fillRect/>
-          </a:stretch>
-        </p:blipFill>
-        <p:spPr>
-          <a:xfrm>
-            <a:off x="7465338" y="4141470"/>
-            <a:ext cx="500659" cy="500659"/>
-          </a:xfrm>
-          <a:prstGeom prst="rect">
-            <a:avLst/>
-          </a:prstGeom>
-          <a:ln w="12700">
-            <a:miter lim="400000"/>
-          </a:ln>
-        </p:spPr>
-      </p:pic>
-      <p:sp>
-        <p:nvSpPr>
-          <p:cNvPr id="127" name="Text 7"/>
-          <p:cNvSpPr txBox="1"/>
-          <p:nvPr/>
-        </p:nvSpPr>
-        <p:spPr>
-          <a:xfrm>
-            <a:off x="7511058" y="4842390"/>
-            <a:ext cx="962594" cy="390776"/>
-          </a:xfrm>
-          <a:prstGeom prst="rect">
-            <a:avLst/>
-          </a:prstGeom>
-          <a:ln w="12700">
-            <a:miter lim="400000"/>
-          </a:ln>
-          <a:extLst>
-            <a:ext uri="{C572A759-6A51-4108-AA02-DFA0A04FC94B}">
-              <ma14:wrappingTextBoxFlag xmlns:ma14="http://schemas.microsoft.com/office/mac/drawingml/2011/main" val="1"/>
-            </a:ext>
-          </a:extLst>
-        </p:spPr>
-        <p:txBody>
-          <a:bodyPr wrap="none" lIns="45719" rIns="45719">
-            <a:spAutoFit/>
-          </a:bodyPr>
-          <a:lstStyle>
-            <a:lvl1pPr>
-              <a:lnSpc>
-                <a:spcPts val="2400"/>
-              </a:lnSpc>
-              <a:defRPr b="1" sz="1900">
-                <a:solidFill>
-                  <a:srgbClr val="151617"/>
-                </a:solidFill>
-                <a:latin typeface="Montserrat"/>
-                <a:ea typeface="Montserrat"/>
-                <a:cs typeface="Montserrat"/>
-                <a:sym typeface="Montserrat"/>
-              </a:defRPr>
-            </a:lvl1pPr>
-          </a:lstStyle>
-          <a:p>
-            <a:pPr/>
-            <a:r>
-              <a:t>Hashes</a:t>
-            </a:r>
-          </a:p>
-        </p:txBody>
-      </p:sp>
-      <p:sp>
-        <p:nvSpPr>
-          <p:cNvPr id="128" name="Text 8"/>
-          <p:cNvSpPr txBox="1"/>
-          <p:nvPr/>
-        </p:nvSpPr>
-        <p:spPr>
-          <a:xfrm>
-            <a:off x="7511058" y="5275421"/>
-            <a:ext cx="2990375" cy="1024252"/>
-          </a:xfrm>
-          <a:prstGeom prst="rect">
-            <a:avLst/>
-          </a:prstGeom>
-          <a:ln w="12700">
-            <a:miter lim="400000"/>
-          </a:ln>
-          <a:extLst>
-            <a:ext uri="{C572A759-6A51-4108-AA02-DFA0A04FC94B}">
-              <ma14:wrappingTextBoxFlag xmlns:ma14="http://schemas.microsoft.com/office/mac/drawingml/2011/main" val="1"/>
-            </a:ext>
-          </a:extLst>
-        </p:spPr>
-        <p:txBody>
-          <a:bodyPr lIns="45719" rIns="45719">
-            <a:spAutoFit/>
-          </a:bodyPr>
-          <a:lstStyle>
-            <a:lvl1pPr>
-              <a:lnSpc>
-                <a:spcPts val="2500"/>
-              </a:lnSpc>
-              <a:defRPr b="1" sz="1500">
-                <a:solidFill>
-                  <a:srgbClr val="151617"/>
-                </a:solidFill>
-                <a:latin typeface="Inconsolata"/>
-                <a:ea typeface="Inconsolata"/>
-                <a:cs typeface="Inconsolata"/>
-                <a:sym typeface="Inconsolata"/>
-              </a:defRPr>
-            </a:lvl1pPr>
-          </a:lstStyle>
-          <a:p>
-            <a:pPr/>
-            <a:r>
-              <a:t>Hashes are key-value pairs that allow you to store complex data objects in a structured way.</a:t>
-            </a:r>
-          </a:p>
-        </p:txBody>
-      </p:sp>
-      <p:pic>
-        <p:nvPicPr>
-          <p:cNvPr id="129" name="Image 5" descr="Image 5"/>
-          <p:cNvPicPr>
-            <a:picLocks noChangeAspect="1"/>
-          </p:cNvPicPr>
-          <p:nvPr/>
-        </p:nvPicPr>
-        <p:blipFill>
-          <a:blip r:embed="rId6">
-            <a:extLst/>
-          </a:blip>
-          <a:stretch>
-            <a:fillRect/>
-          </a:stretch>
-        </p:blipFill>
-        <p:spPr>
-          <a:xfrm>
-            <a:off x="10847545" y="4141470"/>
-            <a:ext cx="500659" cy="500659"/>
-          </a:xfrm>
-          <a:prstGeom prst="rect">
-            <a:avLst/>
-          </a:prstGeom>
-          <a:ln w="12700">
-            <a:miter lim="400000"/>
-          </a:ln>
-        </p:spPr>
-      </p:pic>
-      <p:sp>
-        <p:nvSpPr>
-          <p:cNvPr id="130" name="Text 9"/>
-          <p:cNvSpPr txBox="1"/>
-          <p:nvPr/>
-        </p:nvSpPr>
-        <p:spPr>
-          <a:xfrm>
-            <a:off x="10893265" y="4842390"/>
-            <a:ext cx="1445076" cy="390776"/>
-          </a:xfrm>
-          <a:prstGeom prst="rect">
-            <a:avLst/>
-          </a:prstGeom>
-          <a:ln w="12700">
-            <a:miter lim="400000"/>
-          </a:ln>
-          <a:extLst>
-            <a:ext uri="{C572A759-6A51-4108-AA02-DFA0A04FC94B}">
-              <ma14:wrappingTextBoxFlag xmlns:ma14="http://schemas.microsoft.com/office/mac/drawingml/2011/main" val="1"/>
-            </a:ext>
-          </a:extLst>
-        </p:spPr>
-        <p:txBody>
-          <a:bodyPr wrap="none" lIns="45719" rIns="45719">
-            <a:spAutoFit/>
-          </a:bodyPr>
-          <a:lstStyle>
-            <a:lvl1pPr>
-              <a:lnSpc>
-                <a:spcPts val="2400"/>
-              </a:lnSpc>
-              <a:defRPr b="1" sz="1900">
-                <a:solidFill>
-                  <a:srgbClr val="151617"/>
-                </a:solidFill>
-                <a:latin typeface="Montserrat"/>
-                <a:ea typeface="Montserrat"/>
-                <a:cs typeface="Montserrat"/>
-                <a:sym typeface="Montserrat"/>
-              </a:defRPr>
-            </a:lvl1pPr>
-          </a:lstStyle>
-          <a:p>
-            <a:pPr/>
-            <a:r>
-              <a:t>Sorted Sets</a:t>
-            </a:r>
-          </a:p>
-        </p:txBody>
-      </p:sp>
-      <p:sp>
-        <p:nvSpPr>
-          <p:cNvPr id="131" name="Text 10"/>
-          <p:cNvSpPr txBox="1"/>
-          <p:nvPr/>
-        </p:nvSpPr>
-        <p:spPr>
-          <a:xfrm>
-            <a:off x="10893265" y="5275420"/>
-            <a:ext cx="2990375" cy="1976753"/>
-          </a:xfrm>
-          <a:prstGeom prst="rect">
-            <a:avLst/>
-          </a:prstGeom>
-          <a:ln w="12700">
-            <a:miter lim="400000"/>
-          </a:ln>
-          <a:extLst>
-            <a:ext uri="{C572A759-6A51-4108-AA02-DFA0A04FC94B}">
-              <ma14:wrappingTextBoxFlag xmlns:ma14="http://schemas.microsoft.com/office/mac/drawingml/2011/main" val="1"/>
-            </a:ext>
-          </a:extLst>
-        </p:spPr>
-        <p:txBody>
-          <a:bodyPr lIns="45719" rIns="45719">
-            <a:spAutoFit/>
-          </a:bodyPr>
-          <a:lstStyle>
-            <a:lvl1pPr>
-              <a:lnSpc>
-                <a:spcPts val="2500"/>
-              </a:lnSpc>
-              <a:defRPr b="1" sz="1500">
-                <a:solidFill>
-                  <a:srgbClr val="151617"/>
-                </a:solidFill>
-                <a:latin typeface="Inconsolata"/>
-                <a:ea typeface="Inconsolata"/>
-                <a:cs typeface="Inconsolata"/>
-                <a:sym typeface="Inconsolata"/>
-              </a:defRPr>
-            </a:lvl1pPr>
-          </a:lstStyle>
-          <a:p>
-            <a:pPr/>
-            <a:r>
-              <a:t>Sorted sets are similar to sets, but elements are sorted based on a specified score. They are useful for implementing leaderboards and other ranked data structures.</a:t>
             </a:r>
           </a:p>
         </p:txBody>
